--- a/other_files/pih-poh_online.pptx
+++ b/other_files/pih-poh_online.pptx
@@ -13,7 +13,8 @@
     <p:sldId id="262" r:id="rId7"/>
     <p:sldId id="263" r:id="rId8"/>
     <p:sldId id="265" r:id="rId9"/>
-    <p:sldId id="264" r:id="rId10"/>
+    <p:sldId id="266" r:id="rId10"/>
+    <p:sldId id="264" r:id="rId11"/>
   </p:sldIdLst>
   <p:sldSz cx="12192000" cy="6858000"/>
   <p:notesSz cx="6858000" cy="9144000"/>
@@ -114,7 +115,18 @@
   </p:defaultTextStyle>
   <p:extLst>
     <p:ext uri="{EFAFB233-063F-42B5-8137-9DF3F51BA10A}">
-      <p15:sldGuideLst xmlns:p15="http://schemas.microsoft.com/office/powerpoint/2012/main" xmlns=""/>
+      <p15:sldGuideLst xmlns:p15="http://schemas.microsoft.com/office/powerpoint/2012/main">
+        <p15:guide id="1" orient="horz" pos="2160">
+          <p15:clr>
+            <a:srgbClr val="A4A3A4"/>
+          </p15:clr>
+        </p15:guide>
+        <p15:guide id="2" pos="3840">
+          <p15:clr>
+            <a:srgbClr val="A4A3A4"/>
+          </p15:clr>
+        </p15:guide>
+      </p15:sldGuideLst>
     </p:ext>
   </p:extLst>
 </p:presentation>
@@ -304,7 +316,7 @@
     </p:spTree>
     <p:extLst>
       <p:ext uri="{BB962C8B-B14F-4D97-AF65-F5344CB8AC3E}">
-        <p14:creationId xmlns:p14="http://schemas.microsoft.com/office/powerpoint/2010/main" xmlns="" val="1825527271"/>
+        <p14:creationId xmlns:p14="http://schemas.microsoft.com/office/powerpoint/2010/main" val="1825527271"/>
       </p:ext>
     </p:extLst>
   </p:cSld>
@@ -476,7 +488,7 @@
     </p:spTree>
     <p:extLst>
       <p:ext uri="{BB962C8B-B14F-4D97-AF65-F5344CB8AC3E}">
-        <p14:creationId xmlns:p14="http://schemas.microsoft.com/office/powerpoint/2010/main" xmlns="" val="1757696600"/>
+        <p14:creationId xmlns:p14="http://schemas.microsoft.com/office/powerpoint/2010/main" val="1757696600"/>
       </p:ext>
     </p:extLst>
   </p:cSld>
@@ -658,7 +670,7 @@
     </p:spTree>
     <p:extLst>
       <p:ext uri="{BB962C8B-B14F-4D97-AF65-F5344CB8AC3E}">
-        <p14:creationId xmlns:p14="http://schemas.microsoft.com/office/powerpoint/2010/main" xmlns="" val="2257495719"/>
+        <p14:creationId xmlns:p14="http://schemas.microsoft.com/office/powerpoint/2010/main" val="2257495719"/>
       </p:ext>
     </p:extLst>
   </p:cSld>
@@ -830,7 +842,7 @@
     </p:spTree>
     <p:extLst>
       <p:ext uri="{BB962C8B-B14F-4D97-AF65-F5344CB8AC3E}">
-        <p14:creationId xmlns:p14="http://schemas.microsoft.com/office/powerpoint/2010/main" xmlns="" val="3918829922"/>
+        <p14:creationId xmlns:p14="http://schemas.microsoft.com/office/powerpoint/2010/main" val="3918829922"/>
       </p:ext>
     </p:extLst>
   </p:cSld>
@@ -1078,7 +1090,7 @@
     </p:spTree>
     <p:extLst>
       <p:ext uri="{BB962C8B-B14F-4D97-AF65-F5344CB8AC3E}">
-        <p14:creationId xmlns:p14="http://schemas.microsoft.com/office/powerpoint/2010/main" xmlns="" val="1220396551"/>
+        <p14:creationId xmlns:p14="http://schemas.microsoft.com/office/powerpoint/2010/main" val="1220396551"/>
       </p:ext>
     </p:extLst>
   </p:cSld>
@@ -1312,7 +1324,7 @@
     </p:spTree>
     <p:extLst>
       <p:ext uri="{BB962C8B-B14F-4D97-AF65-F5344CB8AC3E}">
-        <p14:creationId xmlns:p14="http://schemas.microsoft.com/office/powerpoint/2010/main" xmlns="" val="375177807"/>
+        <p14:creationId xmlns:p14="http://schemas.microsoft.com/office/powerpoint/2010/main" val="375177807"/>
       </p:ext>
     </p:extLst>
   </p:cSld>
@@ -1681,7 +1693,7 @@
     </p:spTree>
     <p:extLst>
       <p:ext uri="{BB962C8B-B14F-4D97-AF65-F5344CB8AC3E}">
-        <p14:creationId xmlns:p14="http://schemas.microsoft.com/office/powerpoint/2010/main" xmlns="" val="1046097585"/>
+        <p14:creationId xmlns:p14="http://schemas.microsoft.com/office/powerpoint/2010/main" val="1046097585"/>
       </p:ext>
     </p:extLst>
   </p:cSld>
@@ -1801,7 +1813,7 @@
     </p:spTree>
     <p:extLst>
       <p:ext uri="{BB962C8B-B14F-4D97-AF65-F5344CB8AC3E}">
-        <p14:creationId xmlns:p14="http://schemas.microsoft.com/office/powerpoint/2010/main" xmlns="" val="124547482"/>
+        <p14:creationId xmlns:p14="http://schemas.microsoft.com/office/powerpoint/2010/main" val="124547482"/>
       </p:ext>
     </p:extLst>
   </p:cSld>
@@ -1898,7 +1910,7 @@
     </p:spTree>
     <p:extLst>
       <p:ext uri="{BB962C8B-B14F-4D97-AF65-F5344CB8AC3E}">
-        <p14:creationId xmlns:p14="http://schemas.microsoft.com/office/powerpoint/2010/main" xmlns="" val="1321557343"/>
+        <p14:creationId xmlns:p14="http://schemas.microsoft.com/office/powerpoint/2010/main" val="1321557343"/>
       </p:ext>
     </p:extLst>
   </p:cSld>
@@ -2177,7 +2189,7 @@
     </p:spTree>
     <p:extLst>
       <p:ext uri="{BB962C8B-B14F-4D97-AF65-F5344CB8AC3E}">
-        <p14:creationId xmlns:p14="http://schemas.microsoft.com/office/powerpoint/2010/main" xmlns="" val="3410060167"/>
+        <p14:creationId xmlns:p14="http://schemas.microsoft.com/office/powerpoint/2010/main" val="3410060167"/>
       </p:ext>
     </p:extLst>
   </p:cSld>
@@ -2432,7 +2444,7 @@
     </p:spTree>
     <p:extLst>
       <p:ext uri="{BB962C8B-B14F-4D97-AF65-F5344CB8AC3E}">
-        <p14:creationId xmlns:p14="http://schemas.microsoft.com/office/powerpoint/2010/main" xmlns="" val="2722473218"/>
+        <p14:creationId xmlns:p14="http://schemas.microsoft.com/office/powerpoint/2010/main" val="2722473218"/>
       </p:ext>
     </p:extLst>
   </p:cSld>
@@ -2683,7 +2695,7 @@
     </p:spTree>
     <p:extLst>
       <p:ext uri="{BB962C8B-B14F-4D97-AF65-F5344CB8AC3E}">
-        <p14:creationId xmlns:p14="http://schemas.microsoft.com/office/powerpoint/2010/main" xmlns="" val="3371067105"/>
+        <p14:creationId xmlns:p14="http://schemas.microsoft.com/office/powerpoint/2010/main" val="3371067105"/>
       </p:ext>
     </p:extLst>
   </p:cSld>
@@ -3027,7 +3039,147 @@
     </p:spTree>
     <p:extLst>
       <p:ext uri="{BB962C8B-B14F-4D97-AF65-F5344CB8AC3E}">
-        <p14:creationId xmlns:p14="http://schemas.microsoft.com/office/powerpoint/2010/main" xmlns="" val="3479462082"/>
+        <p14:creationId xmlns:p14="http://schemas.microsoft.com/office/powerpoint/2010/main" val="3479462082"/>
+      </p:ext>
+    </p:extLst>
+  </p:cSld>
+  <p:clrMapOvr>
+    <a:masterClrMapping/>
+  </p:clrMapOvr>
+</p:sld>
+</file>
+
+<file path=ppt/slides/slide10.xml><?xml version="1.0" encoding="utf-8"?>
+<p:sld xmlns:a="http://schemas.openxmlformats.org/drawingml/2006/main" xmlns:r="http://schemas.openxmlformats.org/officeDocument/2006/relationships" xmlns:p="http://schemas.openxmlformats.org/presentationml/2006/main">
+  <p:cSld>
+    <p:spTree>
+      <p:nvGrpSpPr>
+        <p:cNvPr id="1" name=""/>
+        <p:cNvGrpSpPr/>
+        <p:nvPr/>
+      </p:nvGrpSpPr>
+      <p:grpSpPr>
+        <a:xfrm>
+          <a:off x="0" y="0"/>
+          <a:ext cx="0" cy="0"/>
+          <a:chOff x="0" y="0"/>
+          <a:chExt cx="0" cy="0"/>
+        </a:xfrm>
+      </p:grpSpPr>
+      <p:sp>
+        <p:nvSpPr>
+          <p:cNvPr id="2" name="Заголовок 1"/>
+          <p:cNvSpPr>
+            <a:spLocks noGrp="1"/>
+          </p:cNvSpPr>
+          <p:nvPr>
+            <p:ph type="title"/>
+          </p:nvPr>
+        </p:nvSpPr>
+        <p:spPr/>
+        <p:txBody>
+          <a:bodyPr/>
+          <a:lstStyle/>
+          <a:p>
+            <a:r>
+              <a:rPr lang="ru-RU" dirty="0" smtClean="0"/>
+              <a:t>Возможные улучшения форума</a:t>
+            </a:r>
+            <a:endParaRPr lang="ru-RU" dirty="0"/>
+          </a:p>
+        </p:txBody>
+      </p:sp>
+      <p:sp>
+        <p:nvSpPr>
+          <p:cNvPr id="3" name="Объект 2"/>
+          <p:cNvSpPr>
+            <a:spLocks noGrp="1"/>
+          </p:cNvSpPr>
+          <p:nvPr>
+            <p:ph idx="1"/>
+          </p:nvPr>
+        </p:nvSpPr>
+        <p:spPr/>
+        <p:txBody>
+          <a:bodyPr/>
+          <a:lstStyle/>
+          <a:p>
+            <a:r>
+              <a:rPr lang="ru-RU" dirty="0" smtClean="0">
+                <a:solidFill>
+                  <a:schemeClr val="tx1">
+                    <a:lumMod val="75000"/>
+                    <a:lumOff val="25000"/>
+                  </a:schemeClr>
+                </a:solidFill>
+              </a:rPr>
+              <a:t>Улучшение дизайна</a:t>
+            </a:r>
+          </a:p>
+          <a:p>
+            <a:r>
+              <a:rPr lang="ru-RU" dirty="0" smtClean="0">
+                <a:solidFill>
+                  <a:schemeClr val="tx1">
+                    <a:lumMod val="75000"/>
+                    <a:lumOff val="25000"/>
+                  </a:schemeClr>
+                </a:solidFill>
+              </a:rPr>
+              <a:t>Возможность выкладки файлов в сообщениях и новостях</a:t>
+            </a:r>
+          </a:p>
+          <a:p>
+            <a:r>
+              <a:rPr lang="ru-RU" dirty="0" smtClean="0">
+                <a:solidFill>
+                  <a:schemeClr val="tx1">
+                    <a:lumMod val="75000"/>
+                    <a:lumOff val="25000"/>
+                  </a:schemeClr>
+                </a:solidFill>
+              </a:rPr>
+              <a:t>Возможность подписываться на профили других людей</a:t>
+            </a:r>
+          </a:p>
+          <a:p>
+            <a:r>
+              <a:rPr lang="ru-RU" dirty="0" smtClean="0">
+                <a:solidFill>
+                  <a:schemeClr val="tx1">
+                    <a:lumMod val="75000"/>
+                    <a:lumOff val="25000"/>
+                  </a:schemeClr>
+                </a:solidFill>
+              </a:rPr>
+              <a:t>Усовершенствование системы «</a:t>
+            </a:r>
+            <a:r>
+              <a:rPr lang="ru-RU" smtClean="0">
+                <a:solidFill>
+                  <a:schemeClr val="tx1">
+                    <a:lumMod val="75000"/>
+                    <a:lumOff val="25000"/>
+                  </a:schemeClr>
+                </a:solidFill>
+              </a:rPr>
+              <a:t>админок»</a:t>
+            </a:r>
+            <a:endParaRPr lang="ru-RU" dirty="0">
+              <a:solidFill>
+                <a:schemeClr val="tx1">
+                  <a:lumMod val="75000"/>
+                  <a:lumOff val="25000"/>
+                </a:schemeClr>
+              </a:solidFill>
+            </a:endParaRPr>
+          </a:p>
+        </p:txBody>
+      </p:sp>
+    </p:spTree>
+    <p:extLst>
+      <p:ext uri="{BB962C8B-B14F-4D97-AF65-F5344CB8AC3E}">
+        <p14:creationId xmlns:p14="http://schemas.microsoft.com/office/powerpoint/2010/main" val="2269843257"/>
       </p:ext>
     </p:extLst>
   </p:cSld>
@@ -3139,18 +3291,7 @@
                   </a:schemeClr>
                 </a:solidFill>
               </a:rPr>
-              <a:t>, </a:t>
-            </a:r>
-            <a:r>
-              <a:rPr lang="ru-RU" dirty="0" smtClean="0">
-                <a:solidFill>
-                  <a:schemeClr val="tx1">
-                    <a:lumMod val="75000"/>
-                    <a:lumOff val="25000"/>
-                  </a:schemeClr>
-                </a:solidFill>
-              </a:rPr>
-              <a:t>включающий в себя 3 части</a:t>
+              <a:t>, включающий в себя 3 части</a:t>
             </a:r>
             <a:r>
               <a:rPr lang="en-US" dirty="0" smtClean="0">
@@ -3260,7 +3401,7 @@
     </p:spTree>
     <p:extLst>
       <p:ext uri="{BB962C8B-B14F-4D97-AF65-F5344CB8AC3E}">
-        <p14:creationId xmlns:p14="http://schemas.microsoft.com/office/powerpoint/2010/main" xmlns="" val="400914075"/>
+        <p14:creationId xmlns:p14="http://schemas.microsoft.com/office/powerpoint/2010/main" val="400914075"/>
       </p:ext>
     </p:extLst>
   </p:cSld>
@@ -3486,7 +3627,7 @@
     </p:spTree>
     <p:extLst>
       <p:ext uri="{BB962C8B-B14F-4D97-AF65-F5344CB8AC3E}">
-        <p14:creationId xmlns:p14="http://schemas.microsoft.com/office/powerpoint/2010/main" xmlns="" val="2140202233"/>
+        <p14:creationId xmlns:p14="http://schemas.microsoft.com/office/powerpoint/2010/main" val="2140202233"/>
       </p:ext>
     </p:extLst>
   </p:cSld>
@@ -3854,7 +3995,7 @@
     </p:spTree>
     <p:extLst>
       <p:ext uri="{BB962C8B-B14F-4D97-AF65-F5344CB8AC3E}">
-        <p14:creationId xmlns:p14="http://schemas.microsoft.com/office/powerpoint/2010/main" xmlns="" val="2299316306"/>
+        <p14:creationId xmlns:p14="http://schemas.microsoft.com/office/powerpoint/2010/main" val="2299316306"/>
       </p:ext>
     </p:extLst>
   </p:cSld>
@@ -5637,7 +5778,7 @@
     </p:spTree>
     <p:extLst>
       <p:ext uri="{BB962C8B-B14F-4D97-AF65-F5344CB8AC3E}">
-        <p14:creationId xmlns:p14="http://schemas.microsoft.com/office/powerpoint/2010/main" xmlns="" val="1083847543"/>
+        <p14:creationId xmlns:p14="http://schemas.microsoft.com/office/powerpoint/2010/main" val="1083847543"/>
       </p:ext>
     </p:extLst>
   </p:cSld>
@@ -5704,7 +5845,7 @@
           <a:blip r:embed="rId2">
             <a:extLst>
               <a:ext uri="{28A0092B-C50C-407E-A947-70E740481C1C}">
-                <a14:useLocalDpi xmlns:a14="http://schemas.microsoft.com/office/drawing/2010/main" xmlns="" val="0"/>
+                <a14:useLocalDpi xmlns:a14="http://schemas.microsoft.com/office/drawing/2010/main" val="0"/>
               </a:ext>
             </a:extLst>
           </a:blip>
@@ -5724,7 +5865,7 @@
           <a:noFill/>
           <a:extLst>
             <a:ext uri="{909E8E84-426E-40DD-AFC4-6F175D3DCCD1}">
-              <a14:hiddenFill xmlns:a14="http://schemas.microsoft.com/office/drawing/2010/main" xmlns="">
+              <a14:hiddenFill xmlns:a14="http://schemas.microsoft.com/office/drawing/2010/main">
                 <a:solidFill>
                   <a:srgbClr val="FFFFFF"/>
                 </a:solidFill>
@@ -5745,7 +5886,7 @@
           <a:blip r:embed="rId3">
             <a:extLst>
               <a:ext uri="{28A0092B-C50C-407E-A947-70E740481C1C}">
-                <a14:useLocalDpi xmlns:a14="http://schemas.microsoft.com/office/drawing/2010/main" xmlns="" val="0"/>
+                <a14:useLocalDpi xmlns:a14="http://schemas.microsoft.com/office/drawing/2010/main" val="0"/>
               </a:ext>
             </a:extLst>
           </a:blip>
@@ -5765,7 +5906,7 @@
           <a:noFill/>
           <a:extLst>
             <a:ext uri="{909E8E84-426E-40DD-AFC4-6F175D3DCCD1}">
-              <a14:hiddenFill xmlns:a14="http://schemas.microsoft.com/office/drawing/2010/main" xmlns="">
+              <a14:hiddenFill xmlns:a14="http://schemas.microsoft.com/office/drawing/2010/main">
                 <a:solidFill>
                   <a:srgbClr val="FFFFFF"/>
                 </a:solidFill>
@@ -5777,7 +5918,7 @@
     </p:spTree>
     <p:extLst>
       <p:ext uri="{BB962C8B-B14F-4D97-AF65-F5344CB8AC3E}">
-        <p14:creationId xmlns:p14="http://schemas.microsoft.com/office/powerpoint/2010/main" xmlns="" val="2642908043"/>
+        <p14:creationId xmlns:p14="http://schemas.microsoft.com/office/powerpoint/2010/main" val="2642908043"/>
       </p:ext>
     </p:extLst>
   </p:cSld>
@@ -5885,7 +6026,7 @@
     </p:spTree>
     <p:extLst>
       <p:ext uri="{BB962C8B-B14F-4D97-AF65-F5344CB8AC3E}">
-        <p14:creationId xmlns:p14="http://schemas.microsoft.com/office/powerpoint/2010/main" xmlns="" val="2874623881"/>
+        <p14:creationId xmlns:p14="http://schemas.microsoft.com/office/powerpoint/2010/main" val="2874623881"/>
       </p:ext>
     </p:extLst>
   </p:cSld>
@@ -5967,7 +6108,7 @@
     </p:spTree>
     <p:extLst>
       <p:ext uri="{BB962C8B-B14F-4D97-AF65-F5344CB8AC3E}">
-        <p14:creationId xmlns:p14="http://schemas.microsoft.com/office/powerpoint/2010/main" xmlns="" val="1658493378"/>
+        <p14:creationId xmlns:p14="http://schemas.microsoft.com/office/powerpoint/2010/main" val="1658493378"/>
       </p:ext>
     </p:extLst>
   </p:cSld>
@@ -6011,7 +6152,7 @@
           <a:p>
             <a:r>
               <a:rPr lang="ru-RU" dirty="0" smtClean="0"/>
-              <a:t>Возможные улучшения форума</a:t>
+              <a:t>Строки</a:t>
             </a:r>
             <a:endParaRPr lang="ru-RU" dirty="0"/>
           </a:p>
@@ -6032,93 +6173,52 @@
           <a:bodyPr/>
           <a:lstStyle/>
           <a:p>
-            <a:r>
-              <a:rPr lang="ru-RU" dirty="0" smtClean="0">
-                <a:solidFill>
-                  <a:schemeClr val="tx1">
-                    <a:lumMod val="75000"/>
-                    <a:lumOff val="25000"/>
-                  </a:schemeClr>
-                </a:solidFill>
-              </a:rPr>
-              <a:t>Улучшение дизайна</a:t>
-            </a:r>
-          </a:p>
-          <a:p>
-            <a:r>
-              <a:rPr lang="ru-RU" dirty="0" smtClean="0">
-                <a:solidFill>
-                  <a:schemeClr val="tx1">
-                    <a:lumMod val="75000"/>
-                    <a:lumOff val="25000"/>
-                  </a:schemeClr>
-                </a:solidFill>
-              </a:rPr>
-              <a:t>Возможность выкладки файлов в сообщениях и новостях</a:t>
-            </a:r>
-          </a:p>
-          <a:p>
-            <a:r>
-              <a:rPr lang="ru-RU" dirty="0" smtClean="0">
-                <a:solidFill>
-                  <a:schemeClr val="tx1">
-                    <a:lumMod val="75000"/>
-                    <a:lumOff val="25000"/>
-                  </a:schemeClr>
-                </a:solidFill>
-              </a:rPr>
-              <a:t>Возможность подписываться на профили других </a:t>
-            </a:r>
-            <a:r>
-              <a:rPr lang="ru-RU" dirty="0" smtClean="0">
-                <a:solidFill>
-                  <a:schemeClr val="tx1">
-                    <a:lumMod val="75000"/>
-                    <a:lumOff val="25000"/>
-                  </a:schemeClr>
-                </a:solidFill>
-              </a:rPr>
-              <a:t>людей</a:t>
-            </a:r>
-          </a:p>
-          <a:p>
-            <a:r>
-              <a:rPr lang="ru-RU" dirty="0" smtClean="0">
-                <a:solidFill>
-                  <a:schemeClr val="tx1">
-                    <a:lumMod val="75000"/>
-                    <a:lumOff val="25000"/>
-                  </a:schemeClr>
-                </a:solidFill>
-              </a:rPr>
-              <a:t>Усовершенствование системы «</a:t>
-            </a:r>
-            <a:r>
-              <a:rPr lang="ru-RU" smtClean="0">
-                <a:solidFill>
-                  <a:schemeClr val="tx1">
-                    <a:lumMod val="75000"/>
-                    <a:lumOff val="25000"/>
-                  </a:schemeClr>
-                </a:solidFill>
-              </a:rPr>
-              <a:t>админок»</a:t>
-            </a:r>
-            <a:endParaRPr lang="ru-RU" dirty="0">
-              <a:solidFill>
-                <a:schemeClr val="tx1">
-                  <a:lumMod val="75000"/>
-                  <a:lumOff val="25000"/>
-                </a:schemeClr>
-              </a:solidFill>
-            </a:endParaRPr>
+            <a:pPr marL="0" indent="0">
+              <a:buNone/>
+            </a:pPr>
+            <a:r>
+              <a:rPr lang="en-US" dirty="0" smtClean="0"/>
+              <a:t>total lines</a:t>
+            </a:r>
+            <a:r>
+              <a:rPr lang="en-US" smtClean="0"/>
+              <a:t>, source code lines</a:t>
+            </a:r>
+            <a:endParaRPr lang="en-US" dirty="0" smtClean="0"/>
+          </a:p>
+          <a:p>
+            <a:r>
+              <a:rPr lang="en-US" dirty="0" err="1" smtClean="0"/>
+              <a:t>py</a:t>
+            </a:r>
+            <a:r>
+              <a:rPr lang="en-US" dirty="0" smtClean="0"/>
+              <a:t> – 953, 752</a:t>
+            </a:r>
+          </a:p>
+          <a:p>
+            <a:r>
+              <a:rPr lang="en-US" dirty="0" err="1" smtClean="0"/>
+              <a:t>css</a:t>
+            </a:r>
+            <a:r>
+              <a:rPr lang="en-US" dirty="0" smtClean="0"/>
+              <a:t> – 963, 809</a:t>
+            </a:r>
+          </a:p>
+          <a:p>
+            <a:r>
+              <a:rPr lang="en-US" dirty="0" smtClean="0"/>
+              <a:t>html – 873, 872 </a:t>
+            </a:r>
+            <a:endParaRPr lang="ru-RU" dirty="0"/>
           </a:p>
         </p:txBody>
       </p:sp>
     </p:spTree>
     <p:extLst>
       <p:ext uri="{BB962C8B-B14F-4D97-AF65-F5344CB8AC3E}">
-        <p14:creationId xmlns:p14="http://schemas.microsoft.com/office/powerpoint/2010/main" xmlns="" val="2269843257"/>
+        <p14:creationId xmlns:p14="http://schemas.microsoft.com/office/powerpoint/2010/main" val="244506117"/>
       </p:ext>
     </p:extLst>
   </p:cSld>
@@ -6383,7 +6483,7 @@
   <a:extraClrSchemeLst/>
   <a:extLst>
     <a:ext uri="{05A4C25C-085E-4340-85A3-A5531E510DB2}">
-      <thm15:themeFamily xmlns:thm15="http://schemas.microsoft.com/office/thememl/2012/main" xmlns="" name="Office Theme" id="{62F939B6-93AF-4DB8-9C6B-D6C7DFDC589F}" vid="{4A3C46E8-61CC-4603-A589-7422A47A8E4A}"/>
+      <thm15:themeFamily xmlns:thm15="http://schemas.microsoft.com/office/thememl/2012/main" name="Office Theme" id="{62F939B6-93AF-4DB8-9C6B-D6C7DFDC589F}" vid="{4A3C46E8-61CC-4603-A589-7422A47A8E4A}"/>
     </a:ext>
   </a:extLst>
 </a:theme>
